--- a/d3_part_2/Introduction to D3 Part 2.pptx
+++ b/d3_part_2/Introduction to D3 Part 2.pptx
@@ -5,13 +5,16 @@
     <p:sldMasterId id="2147483660" r:id="rId1"/>
   </p:sldMasterIdLst>
   <p:notesMasterIdLst>
-    <p:notesMasterId r:id="rId6"/>
+    <p:notesMasterId r:id="rId9"/>
   </p:notesMasterIdLst>
   <p:sldIdLst>
     <p:sldId id="256" r:id="rId2"/>
     <p:sldId id="300" r:id="rId3"/>
     <p:sldId id="263" r:id="rId4"/>
-    <p:sldId id="301" r:id="rId5"/>
+    <p:sldId id="304" r:id="rId5"/>
+    <p:sldId id="301" r:id="rId6"/>
+    <p:sldId id="302" r:id="rId7"/>
+    <p:sldId id="303" r:id="rId8"/>
   </p:sldIdLst>
   <p:sldSz cx="12192000" cy="6858000"/>
   <p:notesSz cx="6858000" cy="9144000"/>
@@ -200,7 +203,7 @@
           <a:p>
             <a:fld id="{5C7B60CB-4555-4E4C-8A61-26D94E33D181}" type="datetimeFigureOut">
               <a:rPr lang="en-US" smtClean="0"/>
-              <a:t>2/22/2018</a:t>
+              <a:t>2/27/2018</a:t>
             </a:fld>
             <a:endParaRPr lang="en-US"/>
           </a:p>
@@ -871,7 +874,7 @@
           <a:p>
             <a:fld id="{C336076D-836C-44D8-B1E0-272F963C7580}" type="datetimeFigureOut">
               <a:rPr lang="en-US" smtClean="0"/>
-              <a:t>2/22/2018</a:t>
+              <a:t>2/27/2018</a:t>
             </a:fld>
             <a:endParaRPr lang="en-US"/>
           </a:p>
@@ -1049,7 +1052,7 @@
           <a:p>
             <a:fld id="{C336076D-836C-44D8-B1E0-272F963C7580}" type="datetimeFigureOut">
               <a:rPr lang="en-US" smtClean="0"/>
-              <a:t>2/22/2018</a:t>
+              <a:t>2/27/2018</a:t>
             </a:fld>
             <a:endParaRPr lang="en-US"/>
           </a:p>
@@ -1237,7 +1240,7 @@
           <a:p>
             <a:fld id="{C336076D-836C-44D8-B1E0-272F963C7580}" type="datetimeFigureOut">
               <a:rPr lang="en-US" smtClean="0"/>
-              <a:t>2/22/2018</a:t>
+              <a:t>2/27/2018</a:t>
             </a:fld>
             <a:endParaRPr lang="en-US"/>
           </a:p>
@@ -1415,7 +1418,7 @@
           <a:p>
             <a:fld id="{C336076D-836C-44D8-B1E0-272F963C7580}" type="datetimeFigureOut">
               <a:rPr lang="en-US" smtClean="0"/>
-              <a:t>2/22/2018</a:t>
+              <a:t>2/27/2018</a:t>
             </a:fld>
             <a:endParaRPr lang="en-US"/>
           </a:p>
@@ -1669,7 +1672,7 @@
           <a:p>
             <a:fld id="{C336076D-836C-44D8-B1E0-272F963C7580}" type="datetimeFigureOut">
               <a:rPr lang="en-US" smtClean="0"/>
-              <a:t>2/22/2018</a:t>
+              <a:t>2/27/2018</a:t>
             </a:fld>
             <a:endParaRPr lang="en-US"/>
           </a:p>
@@ -1909,7 +1912,7 @@
           <a:p>
             <a:fld id="{C336076D-836C-44D8-B1E0-272F963C7580}" type="datetimeFigureOut">
               <a:rPr lang="en-US" smtClean="0"/>
-              <a:t>2/22/2018</a:t>
+              <a:t>2/27/2018</a:t>
             </a:fld>
             <a:endParaRPr lang="en-US"/>
           </a:p>
@@ -2284,7 +2287,7 @@
           <a:p>
             <a:fld id="{C336076D-836C-44D8-B1E0-272F963C7580}" type="datetimeFigureOut">
               <a:rPr lang="en-US" smtClean="0"/>
-              <a:t>2/22/2018</a:t>
+              <a:t>2/27/2018</a:t>
             </a:fld>
             <a:endParaRPr lang="en-US"/>
           </a:p>
@@ -2410,7 +2413,7 @@
           <a:p>
             <a:fld id="{C336076D-836C-44D8-B1E0-272F963C7580}" type="datetimeFigureOut">
               <a:rPr lang="en-US" smtClean="0"/>
-              <a:t>2/22/2018</a:t>
+              <a:t>2/27/2018</a:t>
             </a:fld>
             <a:endParaRPr lang="en-US"/>
           </a:p>
@@ -2513,7 +2516,7 @@
           <a:p>
             <a:fld id="{C336076D-836C-44D8-B1E0-272F963C7580}" type="datetimeFigureOut">
               <a:rPr lang="en-US" smtClean="0"/>
-              <a:t>2/22/2018</a:t>
+              <a:t>2/27/2018</a:t>
             </a:fld>
             <a:endParaRPr lang="en-US"/>
           </a:p>
@@ -2798,7 +2801,7 @@
           <a:p>
             <a:fld id="{C336076D-836C-44D8-B1E0-272F963C7580}" type="datetimeFigureOut">
               <a:rPr lang="en-US" smtClean="0"/>
-              <a:t>2/22/2018</a:t>
+              <a:t>2/27/2018</a:t>
             </a:fld>
             <a:endParaRPr lang="en-US"/>
           </a:p>
@@ -3063,7 +3066,7 @@
           <a:p>
             <a:fld id="{C336076D-836C-44D8-B1E0-272F963C7580}" type="datetimeFigureOut">
               <a:rPr lang="en-US" smtClean="0"/>
-              <a:t>2/22/2018</a:t>
+              <a:t>2/27/2018</a:t>
             </a:fld>
             <a:endParaRPr lang="en-US"/>
           </a:p>
@@ -3279,7 +3282,7 @@
           <a:p>
             <a:fld id="{C336076D-836C-44D8-B1E0-272F963C7580}" type="datetimeFigureOut">
               <a:rPr lang="en-US" smtClean="0"/>
-              <a:t>2/22/2018</a:t>
+              <a:t>2/27/2018</a:t>
             </a:fld>
             <a:endParaRPr lang="en-US"/>
           </a:p>
@@ -3960,7 +3963,6 @@
               <a:rPr lang="en-US" dirty="0" smtClean="0"/>
               <a:t>	XML, Illustrator, and other stuff</a:t>
             </a:r>
-            <a:endParaRPr lang="en-US" dirty="0" smtClean="0"/>
           </a:p>
           <a:p>
             <a:pPr algn="l"/>
@@ -4008,7 +4010,6 @@
               <a:rPr lang="en-US" dirty="0" smtClean="0"/>
               <a:t>Updating the view visually, based on new data</a:t>
             </a:r>
-            <a:endParaRPr lang="en-US" dirty="0" smtClean="0"/>
           </a:p>
           <a:p>
             <a:pPr algn="l"/>
@@ -4070,7 +4071,7 @@
           <a:p>
             <a:r>
               <a:rPr lang="en-US" dirty="0" smtClean="0"/>
-              <a:t>Exercise:</a:t>
+              <a:t>SVG “primitives”</a:t>
             </a:r>
             <a:endParaRPr lang="en-US" dirty="0"/>
           </a:p>
@@ -4088,12 +4089,207 @@
         </p:nvSpPr>
         <p:spPr/>
         <p:txBody>
-          <a:bodyPr/>
-          <a:lstStyle/>
-          <a:p>
+          <a:bodyPr>
+            <a:normAutofit lnSpcReduction="10000"/>
+          </a:bodyPr>
+          <a:lstStyle/>
+          <a:p>
+            <a:r>
+              <a:rPr lang="en-US" b="1" dirty="0" smtClean="0"/>
+              <a:t>Path</a:t>
+            </a:r>
             <a:r>
               <a:rPr lang="en-US" dirty="0" smtClean="0"/>
-              <a:t>Use one of the three provided datasets</a:t>
+              <a:t> </a:t>
+            </a:r>
+            <a:r>
+              <a:rPr lang="en-US" dirty="0" smtClean="0"/>
+              <a:t>(line, polyline, path, clip-path</a:t>
+            </a:r>
+            <a:r>
+              <a:rPr lang="en-US" dirty="0" smtClean="0"/>
+              <a:t>):</a:t>
+            </a:r>
+            <a:endParaRPr lang="en-US" dirty="0"/>
+          </a:p>
+          <a:p>
+            <a:pPr lvl="1"/>
+            <a:r>
+              <a:rPr lang="en-US" dirty="0" smtClean="0"/>
+              <a:t>d = “M-6,450.5H0.5V0.5H-6“</a:t>
+            </a:r>
+          </a:p>
+          <a:p>
+            <a:r>
+              <a:rPr lang="en-US" b="1" dirty="0" smtClean="0"/>
+              <a:t>Circle</a:t>
+            </a:r>
+            <a:r>
+              <a:rPr lang="en-US" dirty="0" smtClean="0"/>
+              <a:t> &amp; </a:t>
+            </a:r>
+            <a:r>
+              <a:rPr lang="en-US" b="1" dirty="0" smtClean="0"/>
+              <a:t>Ellipse</a:t>
+            </a:r>
+            <a:r>
+              <a:rPr lang="en-US" dirty="0" smtClean="0"/>
+              <a:t>:</a:t>
+            </a:r>
+          </a:p>
+          <a:p>
+            <a:pPr lvl="1"/>
+            <a:r>
+              <a:rPr lang="en-US" dirty="0" smtClean="0"/>
+              <a:t>r = “5” cx = “32” cy = “11”</a:t>
+            </a:r>
+          </a:p>
+          <a:p>
+            <a:r>
+              <a:rPr lang="en-US" b="1" dirty="0" err="1" smtClean="0"/>
+              <a:t>Rect</a:t>
+            </a:r>
+            <a:r>
+              <a:rPr lang="en-US" dirty="0" smtClean="0"/>
+              <a:t>:</a:t>
+            </a:r>
+          </a:p>
+          <a:p>
+            <a:pPr lvl="1"/>
+            <a:r>
+              <a:rPr lang="en-US" dirty="0" smtClean="0"/>
+              <a:t>width = “15” height = “15” x = “0” y = “18”</a:t>
+            </a:r>
+          </a:p>
+          <a:p>
+            <a:r>
+              <a:rPr lang="en-US" b="1" dirty="0" smtClean="0"/>
+              <a:t>Polygon</a:t>
+            </a:r>
+            <a:r>
+              <a:rPr lang="en-US" dirty="0" smtClean="0"/>
+              <a:t>:</a:t>
+            </a:r>
+          </a:p>
+          <a:p>
+            <a:pPr lvl="1"/>
+            <a:r>
+              <a:rPr lang="en-US" dirty="0" smtClean="0"/>
+              <a:t>points = “10,15  32,11  62,44  18,18”</a:t>
+            </a:r>
+          </a:p>
+          <a:p>
+            <a:pPr lvl="1"/>
+            <a:endParaRPr lang="en-US" dirty="0"/>
+          </a:p>
+          <a:p>
+            <a:pPr marL="0" indent="0">
+              <a:buNone/>
+            </a:pPr>
+            <a:r>
+              <a:rPr lang="en-US" dirty="0" smtClean="0"/>
+              <a:t>Let’s just </a:t>
+            </a:r>
+            <a:r>
+              <a:rPr lang="en-US" i="1" dirty="0" smtClean="0"/>
+              <a:t>look </a:t>
+            </a:r>
+            <a:r>
+              <a:rPr lang="en-US" dirty="0" smtClean="0"/>
+              <a:t>at these instead!</a:t>
+            </a:r>
+            <a:endParaRPr lang="en-US" dirty="0" smtClean="0"/>
+          </a:p>
+        </p:txBody>
+      </p:sp>
+    </p:spTree>
+    <p:extLst>
+      <p:ext uri="{BB962C8B-B14F-4D97-AF65-F5344CB8AC3E}">
+        <p14:creationId xmlns:p14="http://schemas.microsoft.com/office/powerpoint/2010/main" val="747429821"/>
+      </p:ext>
+    </p:extLst>
+  </p:cSld>
+  <p:clrMapOvr>
+    <a:masterClrMapping/>
+  </p:clrMapOvr>
+</p:sld>
+</file>
+
+<file path=ppt/slides/slide5.xml><?xml version="1.0" encoding="utf-8"?>
+<p:sld xmlns:a="http://schemas.openxmlformats.org/drawingml/2006/main" xmlns:r="http://schemas.openxmlformats.org/officeDocument/2006/relationships" xmlns:p="http://schemas.openxmlformats.org/presentationml/2006/main">
+  <p:cSld>
+    <p:spTree>
+      <p:nvGrpSpPr>
+        <p:cNvPr id="1" name=""/>
+        <p:cNvGrpSpPr/>
+        <p:nvPr/>
+      </p:nvGrpSpPr>
+      <p:grpSpPr>
+        <a:xfrm>
+          <a:off x="0" y="0"/>
+          <a:ext cx="0" cy="0"/>
+          <a:chOff x="0" y="0"/>
+          <a:chExt cx="0" cy="0"/>
+        </a:xfrm>
+      </p:grpSpPr>
+      <p:sp>
+        <p:nvSpPr>
+          <p:cNvPr id="2" name="Title 1"/>
+          <p:cNvSpPr>
+            <a:spLocks noGrp="1"/>
+          </p:cNvSpPr>
+          <p:nvPr>
+            <p:ph type="title"/>
+          </p:nvPr>
+        </p:nvSpPr>
+        <p:spPr/>
+        <p:txBody>
+          <a:bodyPr/>
+          <a:lstStyle/>
+          <a:p>
+            <a:r>
+              <a:rPr lang="en-US" dirty="0" smtClean="0"/>
+              <a:t>Exercise 1:</a:t>
+            </a:r>
+            <a:endParaRPr lang="en-US" dirty="0"/>
+          </a:p>
+        </p:txBody>
+      </p:sp>
+      <p:sp>
+        <p:nvSpPr>
+          <p:cNvPr id="3" name="Content Placeholder 2"/>
+          <p:cNvSpPr>
+            <a:spLocks noGrp="1"/>
+          </p:cNvSpPr>
+          <p:nvPr>
+            <p:ph idx="1"/>
+          </p:nvPr>
+        </p:nvSpPr>
+        <p:spPr/>
+        <p:txBody>
+          <a:bodyPr/>
+          <a:lstStyle/>
+          <a:p>
+            <a:r>
+              <a:rPr lang="en-US" dirty="0" smtClean="0"/>
+              <a:t>Use the “Example” folder and files:</a:t>
+            </a:r>
+          </a:p>
+          <a:p>
+            <a:endParaRPr lang="en-US" dirty="0" smtClean="0"/>
+          </a:p>
+          <a:p>
+            <a:r>
+              <a:rPr lang="en-US" dirty="0" smtClean="0"/>
+              <a:t>Give your </a:t>
+            </a:r>
+            <a:r>
+              <a:rPr lang="en-US" dirty="0" err="1" smtClean="0"/>
+              <a:t>barchart</a:t>
+            </a:r>
+            <a:r>
+              <a:rPr lang="en-US" dirty="0" smtClean="0"/>
+              <a:t> a tooltip that displays the “Letter” and “Frequency” for the bar being hovered over</a:t>
             </a:r>
             <a:endParaRPr lang="en-US" dirty="0"/>
           </a:p>
@@ -4103,6 +4299,254 @@
     <p:extLst>
       <p:ext uri="{BB962C8B-B14F-4D97-AF65-F5344CB8AC3E}">
         <p14:creationId xmlns:p14="http://schemas.microsoft.com/office/powerpoint/2010/main" val="1049317320"/>
+      </p:ext>
+    </p:extLst>
+  </p:cSld>
+  <p:clrMapOvr>
+    <a:masterClrMapping/>
+  </p:clrMapOvr>
+</p:sld>
+</file>
+
+<file path=ppt/slides/slide6.xml><?xml version="1.0" encoding="utf-8"?>
+<p:sld xmlns:a="http://schemas.openxmlformats.org/drawingml/2006/main" xmlns:r="http://schemas.openxmlformats.org/officeDocument/2006/relationships" xmlns:p="http://schemas.openxmlformats.org/presentationml/2006/main">
+  <p:cSld>
+    <p:spTree>
+      <p:nvGrpSpPr>
+        <p:cNvPr id="1" name=""/>
+        <p:cNvGrpSpPr/>
+        <p:nvPr/>
+      </p:nvGrpSpPr>
+      <p:grpSpPr>
+        <a:xfrm>
+          <a:off x="0" y="0"/>
+          <a:ext cx="0" cy="0"/>
+          <a:chOff x="0" y="0"/>
+          <a:chExt cx="0" cy="0"/>
+        </a:xfrm>
+      </p:grpSpPr>
+      <p:sp>
+        <p:nvSpPr>
+          <p:cNvPr id="2" name="Title 1"/>
+          <p:cNvSpPr>
+            <a:spLocks noGrp="1"/>
+          </p:cNvSpPr>
+          <p:nvPr>
+            <p:ph type="title"/>
+          </p:nvPr>
+        </p:nvSpPr>
+        <p:spPr/>
+        <p:txBody>
+          <a:bodyPr/>
+          <a:lstStyle/>
+          <a:p>
+            <a:r>
+              <a:rPr lang="en-US" dirty="0" smtClean="0"/>
+              <a:t>Exercise 2</a:t>
+            </a:r>
+            <a:endParaRPr lang="en-US" dirty="0"/>
+          </a:p>
+        </p:txBody>
+      </p:sp>
+      <p:sp>
+        <p:nvSpPr>
+          <p:cNvPr id="3" name="Content Placeholder 2"/>
+          <p:cNvSpPr>
+            <a:spLocks noGrp="1"/>
+          </p:cNvSpPr>
+          <p:nvPr>
+            <p:ph idx="1"/>
+          </p:nvPr>
+        </p:nvSpPr>
+        <p:spPr/>
+        <p:txBody>
+          <a:bodyPr>
+            <a:normAutofit/>
+          </a:bodyPr>
+          <a:lstStyle/>
+          <a:p>
+            <a:r>
+              <a:rPr lang="en-US" dirty="0"/>
+              <a:t>Give your </a:t>
+            </a:r>
+            <a:r>
+              <a:rPr lang="en-US" dirty="0" err="1"/>
+              <a:t>barchart</a:t>
+            </a:r>
+            <a:r>
+              <a:rPr lang="en-US" dirty="0"/>
+              <a:t> an animation (of choice), either on a click event or somehow triggered from user interaction</a:t>
+            </a:r>
+          </a:p>
+          <a:p>
+            <a:pPr lvl="1"/>
+            <a:r>
+              <a:rPr lang="en-US" dirty="0" smtClean="0"/>
+              <a:t>[</a:t>
+            </a:r>
+            <a:r>
+              <a:rPr lang="en-US" b="1" dirty="0" smtClean="0"/>
+              <a:t>EASY</a:t>
+            </a:r>
+            <a:r>
+              <a:rPr lang="en-US" dirty="0" smtClean="0"/>
+              <a:t>] Change </a:t>
+            </a:r>
+            <a:r>
+              <a:rPr lang="en-US" dirty="0"/>
+              <a:t>the color of the </a:t>
+            </a:r>
+            <a:r>
+              <a:rPr lang="en-US" dirty="0" smtClean="0"/>
+              <a:t>bars</a:t>
+            </a:r>
+          </a:p>
+          <a:p>
+            <a:pPr lvl="1"/>
+            <a:r>
+              <a:rPr lang="en-US" dirty="0" smtClean="0"/>
+              <a:t>[</a:t>
+            </a:r>
+            <a:r>
+              <a:rPr lang="en-US" b="1" dirty="0" smtClean="0"/>
+              <a:t>MEDIUM</a:t>
+            </a:r>
+            <a:r>
+              <a:rPr lang="en-US" dirty="0" smtClean="0"/>
+              <a:t>] Sort the data + have the </a:t>
+            </a:r>
+            <a:r>
+              <a:rPr lang="en-US" dirty="0" err="1" smtClean="0"/>
+              <a:t>barchart</a:t>
+            </a:r>
+            <a:r>
+              <a:rPr lang="en-US" dirty="0" smtClean="0"/>
+              <a:t> sort</a:t>
+            </a:r>
+          </a:p>
+          <a:p>
+            <a:pPr lvl="1"/>
+            <a:r>
+              <a:rPr lang="en-US" dirty="0" smtClean="0"/>
+              <a:t>[</a:t>
+            </a:r>
+            <a:r>
+              <a:rPr lang="en-US" b="1" dirty="0" smtClean="0"/>
+              <a:t>HARD</a:t>
+            </a:r>
+            <a:r>
+              <a:rPr lang="en-US" dirty="0" smtClean="0"/>
+              <a:t>] Make the bars “grow” or “shrink”</a:t>
+            </a:r>
+          </a:p>
+          <a:p>
+            <a:pPr lvl="1"/>
+            <a:r>
+              <a:rPr lang="en-US" dirty="0" smtClean="0"/>
+              <a:t>[</a:t>
+            </a:r>
+            <a:r>
+              <a:rPr lang="en-US" b="1" dirty="0" smtClean="0"/>
+              <a:t>X HARD</a:t>
+            </a:r>
+            <a:r>
+              <a:rPr lang="en-US" dirty="0" smtClean="0"/>
+              <a:t>] Apply a random math function to the frequency of each letter and then redraw the y axis and bars to match the new frequencies</a:t>
+            </a:r>
+          </a:p>
+        </p:txBody>
+      </p:sp>
+    </p:spTree>
+    <p:extLst>
+      <p:ext uri="{BB962C8B-B14F-4D97-AF65-F5344CB8AC3E}">
+        <p14:creationId xmlns:p14="http://schemas.microsoft.com/office/powerpoint/2010/main" val="182281929"/>
+      </p:ext>
+    </p:extLst>
+  </p:cSld>
+  <p:clrMapOvr>
+    <a:masterClrMapping/>
+  </p:clrMapOvr>
+</p:sld>
+</file>
+
+<file path=ppt/slides/slide7.xml><?xml version="1.0" encoding="utf-8"?>
+<p:sld xmlns:a="http://schemas.openxmlformats.org/drawingml/2006/main" xmlns:r="http://schemas.openxmlformats.org/officeDocument/2006/relationships" xmlns:p="http://schemas.openxmlformats.org/presentationml/2006/main">
+  <p:cSld>
+    <p:spTree>
+      <p:nvGrpSpPr>
+        <p:cNvPr id="1" name=""/>
+        <p:cNvGrpSpPr/>
+        <p:nvPr/>
+      </p:nvGrpSpPr>
+      <p:grpSpPr>
+        <a:xfrm>
+          <a:off x="0" y="0"/>
+          <a:ext cx="0" cy="0"/>
+          <a:chOff x="0" y="0"/>
+          <a:chExt cx="0" cy="0"/>
+        </a:xfrm>
+      </p:grpSpPr>
+      <p:sp>
+        <p:nvSpPr>
+          <p:cNvPr id="2" name="Title 1"/>
+          <p:cNvSpPr>
+            <a:spLocks noGrp="1"/>
+          </p:cNvSpPr>
+          <p:nvPr>
+            <p:ph type="title"/>
+          </p:nvPr>
+        </p:nvSpPr>
+        <p:spPr/>
+        <p:txBody>
+          <a:bodyPr/>
+          <a:lstStyle/>
+          <a:p>
+            <a:r>
+              <a:rPr lang="en-US" dirty="0" smtClean="0"/>
+              <a:t>Extra Time?</a:t>
+            </a:r>
+            <a:endParaRPr lang="en-US" dirty="0"/>
+          </a:p>
+        </p:txBody>
+      </p:sp>
+      <p:sp>
+        <p:nvSpPr>
+          <p:cNvPr id="3" name="Content Placeholder 2"/>
+          <p:cNvSpPr>
+            <a:spLocks noGrp="1"/>
+          </p:cNvSpPr>
+          <p:nvPr>
+            <p:ph idx="1"/>
+          </p:nvPr>
+        </p:nvSpPr>
+        <p:spPr/>
+        <p:txBody>
+          <a:bodyPr/>
+          <a:lstStyle/>
+          <a:p>
+            <a:r>
+              <a:rPr lang="en-US" dirty="0"/>
+              <a:t>Challenge A: Assign color to the bars using a d3.scale, either linear (based on frequency) or ordinal (based on color)</a:t>
+            </a:r>
+          </a:p>
+          <a:p>
+            <a:r>
+              <a:rPr lang="en-US" dirty="0"/>
+              <a:t>Challenge B: Give your bars an SVG filter (screen/multiply) so that if they overlap during the animation, something happens!</a:t>
+            </a:r>
+          </a:p>
+          <a:p>
+            <a:pPr marL="0" indent="0">
+              <a:buNone/>
+            </a:pPr>
+            <a:endParaRPr lang="en-US" dirty="0"/>
+          </a:p>
+        </p:txBody>
+      </p:sp>
+    </p:spTree>
+    <p:extLst>
+      <p:ext uri="{BB962C8B-B14F-4D97-AF65-F5344CB8AC3E}">
+        <p14:creationId xmlns:p14="http://schemas.microsoft.com/office/powerpoint/2010/main" val="4264514055"/>
       </p:ext>
     </p:extLst>
   </p:cSld>
